--- a/React Native Introduction.pptx
+++ b/React Native Introduction.pptx
@@ -150,6 +150,11 @@
       </a:defRPr>
     </a:lvl9pPr>
   </p:defaultTextStyle>
+  <p:extLst>
+    <p:ext uri="{EFAFB233-063F-42B5-8137-9DF3F51BA10A}">
+      <p15:sldGuideLst xmlns:p15="http://schemas.microsoft.com/office/powerpoint/2012/main"/>
+    </p:ext>
+  </p:extLst>
 </p:presentation>
 </file>
 
@@ -235,7 +240,7 @@
           <a:p>
             <a:fld id="{AB82C4AB-CF11-4E03-AA80-63BF88A9C8DC}" type="datetimeFigureOut">
               <a:rPr lang="en-IN" smtClean="0"/>
-              <a:t>23-11-2022</a:t>
+              <a:t>24-11-2022</a:t>
             </a:fld>
             <a:endParaRPr lang="en-IN"/>
           </a:p>
@@ -4422,7 +4427,7 @@
           <a:p>
             <a:fld id="{0F99D69D-956A-4EB2-BA8C-D71901C34989}" type="datetimeFigureOut">
               <a:rPr lang="en-IN" smtClean="0"/>
-              <a:t>23-11-2022</a:t>
+              <a:t>24-11-2022</a:t>
             </a:fld>
             <a:endParaRPr lang="en-IN"/>
           </a:p>
@@ -4622,7 +4627,7 @@
           <a:p>
             <a:fld id="{0F99D69D-956A-4EB2-BA8C-D71901C34989}" type="datetimeFigureOut">
               <a:rPr lang="en-IN" smtClean="0"/>
-              <a:t>23-11-2022</a:t>
+              <a:t>24-11-2022</a:t>
             </a:fld>
             <a:endParaRPr lang="en-IN"/>
           </a:p>
@@ -4832,7 +4837,7 @@
           <a:p>
             <a:fld id="{0F99D69D-956A-4EB2-BA8C-D71901C34989}" type="datetimeFigureOut">
               <a:rPr lang="en-IN" smtClean="0"/>
-              <a:t>23-11-2022</a:t>
+              <a:t>24-11-2022</a:t>
             </a:fld>
             <a:endParaRPr lang="en-IN"/>
           </a:p>
@@ -5032,7 +5037,7 @@
           <a:p>
             <a:fld id="{0F99D69D-956A-4EB2-BA8C-D71901C34989}" type="datetimeFigureOut">
               <a:rPr lang="en-IN" smtClean="0"/>
-              <a:t>23-11-2022</a:t>
+              <a:t>24-11-2022</a:t>
             </a:fld>
             <a:endParaRPr lang="en-IN"/>
           </a:p>
@@ -5308,7 +5313,7 @@
           <a:p>
             <a:fld id="{0F99D69D-956A-4EB2-BA8C-D71901C34989}" type="datetimeFigureOut">
               <a:rPr lang="en-IN" smtClean="0"/>
-              <a:t>23-11-2022</a:t>
+              <a:t>24-11-2022</a:t>
             </a:fld>
             <a:endParaRPr lang="en-IN"/>
           </a:p>
@@ -5576,7 +5581,7 @@
           <a:p>
             <a:fld id="{0F99D69D-956A-4EB2-BA8C-D71901C34989}" type="datetimeFigureOut">
               <a:rPr lang="en-IN" smtClean="0"/>
-              <a:t>23-11-2022</a:t>
+              <a:t>24-11-2022</a:t>
             </a:fld>
             <a:endParaRPr lang="en-IN"/>
           </a:p>
@@ -5991,7 +5996,7 @@
           <a:p>
             <a:fld id="{0F99D69D-956A-4EB2-BA8C-D71901C34989}" type="datetimeFigureOut">
               <a:rPr lang="en-IN" smtClean="0"/>
-              <a:t>23-11-2022</a:t>
+              <a:t>24-11-2022</a:t>
             </a:fld>
             <a:endParaRPr lang="en-IN"/>
           </a:p>
@@ -6133,7 +6138,7 @@
           <a:p>
             <a:fld id="{0F99D69D-956A-4EB2-BA8C-D71901C34989}" type="datetimeFigureOut">
               <a:rPr lang="en-IN" smtClean="0"/>
-              <a:t>23-11-2022</a:t>
+              <a:t>24-11-2022</a:t>
             </a:fld>
             <a:endParaRPr lang="en-IN"/>
           </a:p>
@@ -6246,7 +6251,7 @@
           <a:p>
             <a:fld id="{0F99D69D-956A-4EB2-BA8C-D71901C34989}" type="datetimeFigureOut">
               <a:rPr lang="en-IN" smtClean="0"/>
-              <a:t>23-11-2022</a:t>
+              <a:t>24-11-2022</a:t>
             </a:fld>
             <a:endParaRPr lang="en-IN"/>
           </a:p>
@@ -6559,7 +6564,7 @@
           <a:p>
             <a:fld id="{0F99D69D-956A-4EB2-BA8C-D71901C34989}" type="datetimeFigureOut">
               <a:rPr lang="en-IN" smtClean="0"/>
-              <a:t>23-11-2022</a:t>
+              <a:t>24-11-2022</a:t>
             </a:fld>
             <a:endParaRPr lang="en-IN"/>
           </a:p>
@@ -6848,7 +6853,7 @@
           <a:p>
             <a:fld id="{0F99D69D-956A-4EB2-BA8C-D71901C34989}" type="datetimeFigureOut">
               <a:rPr lang="en-IN" smtClean="0"/>
-              <a:t>23-11-2022</a:t>
+              <a:t>24-11-2022</a:t>
             </a:fld>
             <a:endParaRPr lang="en-IN"/>
           </a:p>
@@ -7091,7 +7096,7 @@
           <a:p>
             <a:fld id="{0F99D69D-956A-4EB2-BA8C-D71901C34989}" type="datetimeFigureOut">
               <a:rPr lang="en-IN" smtClean="0"/>
-              <a:t>23-11-2022</a:t>
+              <a:t>24-11-2022</a:t>
             </a:fld>
             <a:endParaRPr lang="en-IN"/>
           </a:p>
@@ -7557,10 +7562,7 @@
           <a:bodyPr/>
           <a:lstStyle/>
           <a:p>
-            <a:r>
-              <a:rPr lang="en-IN" dirty="0"/>
-              <a:t>Part 2</a:t>
-            </a:r>
+            <a:endParaRPr lang="en-IN" dirty="0"/>
           </a:p>
         </p:txBody>
       </p:sp>
